--- a/2018 ICOTS - Doehler and Taylor.pptx
+++ b/2018 ICOTS - Doehler and Taylor.pptx
@@ -241,7 +241,7 @@
           <a:p>
             <a:fld id="{F1C12501-E106-40FC-9606-7BE201DB9B48}" type="datetimeFigureOut">
               <a:rPr lang="en-US" smtClean="0"/>
-              <a:t>7/4/2018</a:t>
+              <a:t>7/10/2018</a:t>
             </a:fld>
             <a:endParaRPr lang="en-US"/>
           </a:p>
@@ -406,7 +406,7 @@
           <a:p>
             <a:fld id="{0CFE222C-7AB3-424F-BA2D-DC5D22EDB867}" type="datetimeFigureOut">
               <a:rPr lang="en-US" smtClean="0"/>
-              <a:t>7/4/2018</a:t>
+              <a:t>7/10/2018</a:t>
             </a:fld>
             <a:endParaRPr lang="en-US"/>
           </a:p>
@@ -3035,7 +3035,7 @@
           <a:p>
             <a:fld id="{49648F48-9AFF-413E-9CE1-A896EED1647B}" type="datetimeFigureOut">
               <a:rPr lang="en-US" smtClean="0"/>
-              <a:t>7/4/2018</a:t>
+              <a:t>7/10/2018</a:t>
             </a:fld>
             <a:endParaRPr lang="en-US"/>
           </a:p>
@@ -3426,7 +3426,7 @@
           <a:p>
             <a:fld id="{49648F48-9AFF-413E-9CE1-A896EED1647B}" type="datetimeFigureOut">
               <a:rPr lang="en-US" smtClean="0"/>
-              <a:t>7/4/2018</a:t>
+              <a:t>7/10/2018</a:t>
             </a:fld>
             <a:endParaRPr lang="en-US"/>
           </a:p>
@@ -3958,7 +3958,7 @@
           <a:p>
             <a:fld id="{49648F48-9AFF-413E-9CE1-A896EED1647B}" type="datetimeFigureOut">
               <a:rPr lang="en-US" smtClean="0"/>
-              <a:t>7/4/2018</a:t>
+              <a:t>7/10/2018</a:t>
             </a:fld>
             <a:endParaRPr lang="en-US"/>
           </a:p>
@@ -4087,7 +4087,7 @@
           <a:p>
             <a:fld id="{49648F48-9AFF-413E-9CE1-A896EED1647B}" type="datetimeFigureOut">
               <a:rPr lang="en-US" smtClean="0"/>
-              <a:t>7/4/2018</a:t>
+              <a:t>7/10/2018</a:t>
             </a:fld>
             <a:endParaRPr lang="en-US"/>
           </a:p>
@@ -4643,7 +4643,7 @@
           <a:p>
             <a:fld id="{49648F48-9AFF-413E-9CE1-A896EED1647B}" type="datetimeFigureOut">
               <a:rPr lang="en-US" smtClean="0"/>
-              <a:t>7/4/2018</a:t>
+              <a:t>7/10/2018</a:t>
             </a:fld>
             <a:endParaRPr lang="en-US"/>
           </a:p>
@@ -4936,7 +4936,7 @@
           <a:p>
             <a:fld id="{49648F48-9AFF-413E-9CE1-A896EED1647B}" type="datetimeFigureOut">
               <a:rPr lang="en-US" smtClean="0"/>
-              <a:t>7/4/2018</a:t>
+              <a:t>7/10/2018</a:t>
             </a:fld>
             <a:endParaRPr lang="en-US"/>
           </a:p>
@@ -5595,7 +5595,7 @@
           <a:p>
             <a:fld id="{49648F48-9AFF-413E-9CE1-A896EED1647B}" type="datetimeFigureOut">
               <a:rPr lang="en-US" smtClean="0"/>
-              <a:t>7/4/2018</a:t>
+              <a:t>7/10/2018</a:t>
             </a:fld>
             <a:endParaRPr lang="en-US"/>
           </a:p>
@@ -6029,7 +6029,7 @@
           <a:p>
             <a:fld id="{49648F48-9AFF-413E-9CE1-A896EED1647B}" type="datetimeFigureOut">
               <a:rPr lang="en-US" smtClean="0"/>
-              <a:t>7/4/2018</a:t>
+              <a:t>7/10/2018</a:t>
             </a:fld>
             <a:endParaRPr lang="en-US"/>
           </a:p>
@@ -6342,7 +6342,7 @@
           <a:p>
             <a:fld id="{49648F48-9AFF-413E-9CE1-A896EED1647B}" type="datetimeFigureOut">
               <a:rPr lang="en-US" smtClean="0"/>
-              <a:t>7/4/2018</a:t>
+              <a:t>7/10/2018</a:t>
             </a:fld>
             <a:endParaRPr lang="en-US"/>
           </a:p>
@@ -7073,7 +7073,7 @@
           <a:p>
             <a:fld id="{49648F48-9AFF-413E-9CE1-A896EED1647B}" type="datetimeFigureOut">
               <a:rPr lang="en-US" smtClean="0"/>
-              <a:t>7/4/2018</a:t>
+              <a:t>7/10/2018</a:t>
             </a:fld>
             <a:endParaRPr lang="en-US"/>
           </a:p>
@@ -7736,7 +7736,7 @@
           <a:p>
             <a:fld id="{49648F48-9AFF-413E-9CE1-A896EED1647B}" type="datetimeFigureOut">
               <a:rPr lang="en-US" smtClean="0"/>
-              <a:t>7/4/2018</a:t>
+              <a:t>7/10/2018</a:t>
             </a:fld>
             <a:endParaRPr lang="en-US"/>
           </a:p>
@@ -8009,7 +8009,7 @@
           <a:p>
             <a:fld id="{49648F48-9AFF-413E-9CE1-A896EED1647B}" type="datetimeFigureOut">
               <a:rPr lang="en-US" smtClean="0"/>
-              <a:t>7/4/2018</a:t>
+              <a:t>7/10/2018</a:t>
             </a:fld>
             <a:endParaRPr lang="en-US"/>
           </a:p>
@@ -12145,14 +12145,14 @@
             <p:ph sz="quarter" idx="1"/>
             <p:extLst>
               <p:ext uri="{D42A27DB-BD31-4B8C-83A1-F6EECF244321}">
-                <p14:modId xmlns:p14="http://schemas.microsoft.com/office/powerpoint/2010/main" val="3642155998"/>
+                <p14:modId xmlns:p14="http://schemas.microsoft.com/office/powerpoint/2010/main" val="4244144318"/>
               </p:ext>
             </p:extLst>
           </p:nvPr>
         </p:nvGraphicFramePr>
         <p:xfrm>
-          <a:off x="1088230" y="2831465"/>
-          <a:ext cx="6912770" cy="2959735"/>
+          <a:off x="914400" y="2831465"/>
+          <a:ext cx="7086600" cy="3264535"/>
         </p:xfrm>
         <a:graphic>
           <a:graphicData uri="http://schemas.openxmlformats.org/drawingml/2006/table">
@@ -12161,28 +12161,28 @@
                 <a:tableStyleId>{5C22544A-7EE6-4342-B048-85BDC9FD1C3A}</a:tableStyleId>
               </a:tblPr>
               <a:tblGrid>
-                <a:gridCol w="1727823">
+                <a:gridCol w="1771271">
                   <a:extLst>
                     <a:ext uri="{9D8B030D-6E8A-4147-A177-3AD203B41FA5}">
                       <a16:colId xmlns:a16="http://schemas.microsoft.com/office/drawing/2014/main" val="3148339367"/>
                     </a:ext>
                   </a:extLst>
                 </a:gridCol>
-                <a:gridCol w="1727823">
+                <a:gridCol w="1771271">
                   <a:extLst>
                     <a:ext uri="{9D8B030D-6E8A-4147-A177-3AD203B41FA5}">
                       <a16:colId xmlns:a16="http://schemas.microsoft.com/office/drawing/2014/main" val="4280515981"/>
                     </a:ext>
                   </a:extLst>
                 </a:gridCol>
-                <a:gridCol w="1728562">
+                <a:gridCol w="1772029">
                   <a:extLst>
                     <a:ext uri="{9D8B030D-6E8A-4147-A177-3AD203B41FA5}">
                       <a16:colId xmlns:a16="http://schemas.microsoft.com/office/drawing/2014/main" val="864051068"/>
                     </a:ext>
                   </a:extLst>
                 </a:gridCol>
-                <a:gridCol w="1728562">
+                <a:gridCol w="1772029">
                   <a:extLst>
                     <a:ext uri="{9D8B030D-6E8A-4147-A177-3AD203B41FA5}">
                       <a16:colId xmlns:a16="http://schemas.microsoft.com/office/drawing/2014/main" val="1527667011"/>
@@ -12190,7 +12190,7 @@
                   </a:extLst>
                 </a:gridCol>
               </a:tblGrid>
-              <a:tr h="986578">
+              <a:tr h="1088178">
                 <a:tc>
                   <a:txBody>
                     <a:bodyPr/>
@@ -12205,12 +12205,12 @@
                         </a:spcAft>
                       </a:pPr>
                       <a:r>
-                        <a:rPr lang="en-US" sz="1400">
+                        <a:rPr lang="en-US" sz="1500">
                           <a:effectLst/>
                         </a:rPr>
                         <a:t> </a:t>
                       </a:r>
-                      <a:endParaRPr lang="en-US" sz="1400">
+                      <a:endParaRPr lang="en-US" sz="1500">
                         <a:solidFill>
                           <a:srgbClr val="000000"/>
                         </a:solidFill>
@@ -12236,12 +12236,12 @@
                         </a:spcAft>
                       </a:pPr>
                       <a:r>
-                        <a:rPr lang="en-US" sz="1400" dirty="0">
+                        <a:rPr lang="en-US" sz="1500" dirty="0">
                           <a:effectLst/>
                         </a:rPr>
                         <a:t>Empathy for or Challenges of People on SNAP benefits</a:t>
                       </a:r>
-                      <a:endParaRPr lang="en-US" sz="1400" dirty="0">
+                      <a:endParaRPr lang="en-US" sz="1500" dirty="0">
                         <a:solidFill>
                           <a:srgbClr val="000000"/>
                         </a:solidFill>
@@ -12267,12 +12267,12 @@
                         </a:spcAft>
                       </a:pPr>
                       <a:r>
-                        <a:rPr lang="en-US" sz="1400">
+                        <a:rPr lang="en-US" sz="1500">
                           <a:effectLst/>
                         </a:rPr>
                         <a:t>Nutritional limitations of SNAP benefits</a:t>
                       </a:r>
-                      <a:endParaRPr lang="en-US" sz="1400">
+                      <a:endParaRPr lang="en-US" sz="1500">
                         <a:solidFill>
                           <a:srgbClr val="000000"/>
                         </a:solidFill>
@@ -12298,12 +12298,12 @@
                         </a:spcAft>
                       </a:pPr>
                       <a:r>
-                        <a:rPr lang="en-US" sz="1400">
+                        <a:rPr lang="en-US" sz="1500">
                           <a:effectLst/>
                         </a:rPr>
                         <a:t>Limitations of SNAP benefits</a:t>
                       </a:r>
-                      <a:endParaRPr lang="en-US" sz="1400">
+                      <a:endParaRPr lang="en-US" sz="1500">
                         <a:solidFill>
                           <a:srgbClr val="000000"/>
                         </a:solidFill>
@@ -12321,7 +12321,7 @@
                   </a:ext>
                 </a:extLst>
               </a:tr>
-              <a:tr h="739934">
+              <a:tr h="816134">
                 <a:tc>
                   <a:txBody>
                     <a:bodyPr/>
@@ -12336,12 +12336,12 @@
                         </a:spcAft>
                       </a:pPr>
                       <a:r>
-                        <a:rPr lang="en-US" sz="1400">
+                        <a:rPr lang="en-US" sz="1500">
                           <a:effectLst/>
                         </a:rPr>
                         <a:t>Responses indicative of this sentiment</a:t>
                       </a:r>
-                      <a:endParaRPr lang="en-US" sz="1400">
+                      <a:endParaRPr lang="en-US" sz="1500">
                         <a:solidFill>
                           <a:srgbClr val="000000"/>
                         </a:solidFill>
@@ -12367,12 +12367,12 @@
                         </a:spcAft>
                       </a:pPr>
                       <a:r>
-                        <a:rPr lang="en-US" sz="1400">
+                        <a:rPr lang="en-US" sz="1500">
                           <a:effectLst/>
                         </a:rPr>
                         <a:t>32 (66.7%)</a:t>
                       </a:r>
-                      <a:endParaRPr lang="en-US" sz="1400">
+                      <a:endParaRPr lang="en-US" sz="1500">
                         <a:solidFill>
                           <a:srgbClr val="000000"/>
                         </a:solidFill>
@@ -12398,12 +12398,12 @@
                         </a:spcAft>
                       </a:pPr>
                       <a:r>
-                        <a:rPr lang="en-US" sz="1400">
+                        <a:rPr lang="en-US" sz="1500">
                           <a:effectLst/>
                         </a:rPr>
                         <a:t>17 (35.4%)</a:t>
                       </a:r>
-                      <a:endParaRPr lang="en-US" sz="1400">
+                      <a:endParaRPr lang="en-US" sz="1500">
                         <a:solidFill>
                           <a:srgbClr val="000000"/>
                         </a:solidFill>
@@ -12429,12 +12429,12 @@
                         </a:spcAft>
                       </a:pPr>
                       <a:r>
-                        <a:rPr lang="en-US" sz="1400">
+                        <a:rPr lang="en-US" sz="1500">
                           <a:effectLst/>
                         </a:rPr>
                         <a:t>7 (14.6%)</a:t>
                       </a:r>
-                      <a:endParaRPr lang="en-US" sz="1400">
+                      <a:endParaRPr lang="en-US" sz="1500">
                         <a:solidFill>
                           <a:srgbClr val="000000"/>
                         </a:solidFill>
@@ -12452,7 +12452,7 @@
                   </a:ext>
                 </a:extLst>
               </a:tr>
-              <a:tr h="739934">
+              <a:tr h="816134">
                 <a:tc>
                   <a:txBody>
                     <a:bodyPr/>
@@ -12467,12 +12467,12 @@
                         </a:spcAft>
                       </a:pPr>
                       <a:r>
-                        <a:rPr lang="en-US" sz="1400">
+                        <a:rPr lang="en-US" sz="1500">
                           <a:effectLst/>
                         </a:rPr>
                         <a:t>Responses not indicative of this sentiment</a:t>
                       </a:r>
-                      <a:endParaRPr lang="en-US" sz="1400">
+                      <a:endParaRPr lang="en-US" sz="1500">
                         <a:solidFill>
                           <a:srgbClr val="000000"/>
                         </a:solidFill>
@@ -12498,12 +12498,12 @@
                         </a:spcAft>
                       </a:pPr>
                       <a:r>
-                        <a:rPr lang="en-US" sz="1400" dirty="0">
+                        <a:rPr lang="en-US" sz="1500" dirty="0">
                           <a:effectLst/>
                         </a:rPr>
                         <a:t>16 (33.3%)</a:t>
                       </a:r>
-                      <a:endParaRPr lang="en-US" sz="1400" dirty="0">
+                      <a:endParaRPr lang="en-US" sz="1500" dirty="0">
                         <a:solidFill>
                           <a:srgbClr val="000000"/>
                         </a:solidFill>
@@ -12529,12 +12529,12 @@
                         </a:spcAft>
                       </a:pPr>
                       <a:r>
-                        <a:rPr lang="en-US" sz="1400">
+                        <a:rPr lang="en-US" sz="1500">
                           <a:effectLst/>
                         </a:rPr>
                         <a:t>31 (64.6%)</a:t>
                       </a:r>
-                      <a:endParaRPr lang="en-US" sz="1400">
+                      <a:endParaRPr lang="en-US" sz="1500">
                         <a:solidFill>
                           <a:srgbClr val="000000"/>
                         </a:solidFill>
@@ -12560,12 +12560,12 @@
                         </a:spcAft>
                       </a:pPr>
                       <a:r>
-                        <a:rPr lang="en-US" sz="1400">
+                        <a:rPr lang="en-US" sz="1500">
                           <a:effectLst/>
                         </a:rPr>
                         <a:t>41 (85.4%)</a:t>
                       </a:r>
-                      <a:endParaRPr lang="en-US" sz="1400">
+                      <a:endParaRPr lang="en-US" sz="1500">
                         <a:solidFill>
                           <a:srgbClr val="000000"/>
                         </a:solidFill>
@@ -12583,7 +12583,7 @@
                   </a:ext>
                 </a:extLst>
               </a:tr>
-              <a:tr h="493289">
+              <a:tr h="544089">
                 <a:tc>
                   <a:txBody>
                     <a:bodyPr/>
@@ -12598,7 +12598,7 @@
                         </a:spcAft>
                       </a:pPr>
                       <a:r>
-                        <a:rPr lang="en-US" sz="1400" dirty="0">
+                        <a:rPr lang="en-US" sz="1500" dirty="0">
                           <a:effectLst/>
                         </a:rPr>
                         <a:t>Total </a:t>
@@ -12614,12 +12614,12 @@
                         </a:spcAft>
                       </a:pPr>
                       <a:r>
-                        <a:rPr lang="en-US" sz="1400" dirty="0">
+                        <a:rPr lang="en-US" sz="1500" dirty="0">
                           <a:effectLst/>
                         </a:rPr>
                         <a:t>Responses</a:t>
                       </a:r>
-                      <a:endParaRPr lang="en-US" sz="1400" dirty="0">
+                      <a:endParaRPr lang="en-US" sz="1500" dirty="0">
                         <a:solidFill>
                           <a:srgbClr val="000000"/>
                         </a:solidFill>
@@ -12645,12 +12645,12 @@
                         </a:spcAft>
                       </a:pPr>
                       <a:r>
-                        <a:rPr lang="en-US" sz="1400">
+                        <a:rPr lang="en-US" sz="1500">
                           <a:effectLst/>
                         </a:rPr>
                         <a:t>48</a:t>
                       </a:r>
-                      <a:endParaRPr lang="en-US" sz="1400">
+                      <a:endParaRPr lang="en-US" sz="1500">
                         <a:solidFill>
                           <a:srgbClr val="000000"/>
                         </a:solidFill>
@@ -12676,12 +12676,12 @@
                         </a:spcAft>
                       </a:pPr>
                       <a:r>
-                        <a:rPr lang="en-US" sz="1400">
+                        <a:rPr lang="en-US" sz="1500">
                           <a:effectLst/>
                         </a:rPr>
                         <a:t>48</a:t>
                       </a:r>
-                      <a:endParaRPr lang="en-US" sz="1400">
+                      <a:endParaRPr lang="en-US" sz="1500">
                         <a:solidFill>
                           <a:srgbClr val="000000"/>
                         </a:solidFill>
@@ -12707,12 +12707,12 @@
                         </a:spcAft>
                       </a:pPr>
                       <a:r>
-                        <a:rPr lang="en-US" sz="1400" dirty="0">
+                        <a:rPr lang="en-US" sz="1500" dirty="0">
                           <a:effectLst/>
                         </a:rPr>
                         <a:t>48</a:t>
                       </a:r>
-                      <a:endParaRPr lang="en-US" sz="1400" dirty="0">
+                      <a:endParaRPr lang="en-US" sz="1500" dirty="0">
                         <a:solidFill>
                           <a:srgbClr val="000000"/>
                         </a:solidFill>
@@ -12849,14 +12849,14 @@
             <p:ph sz="quarter" idx="1"/>
             <p:extLst>
               <p:ext uri="{D42A27DB-BD31-4B8C-83A1-F6EECF244321}">
-                <p14:modId xmlns:p14="http://schemas.microsoft.com/office/powerpoint/2010/main" val="792271182"/>
+                <p14:modId xmlns:p14="http://schemas.microsoft.com/office/powerpoint/2010/main" val="1471256793"/>
               </p:ext>
             </p:extLst>
           </p:nvPr>
         </p:nvGraphicFramePr>
         <p:xfrm>
-          <a:off x="533400" y="1905000"/>
-          <a:ext cx="8077200" cy="4035334"/>
+          <a:off x="301752" y="1600200"/>
+          <a:ext cx="8534400" cy="4724399"/>
         </p:xfrm>
         <a:graphic>
           <a:graphicData uri="http://schemas.openxmlformats.org/drawingml/2006/table">
@@ -12865,14 +12865,14 @@
                 <a:tableStyleId>{5C22544A-7EE6-4342-B048-85BDC9FD1C3A}</a:tableStyleId>
               </a:tblPr>
               <a:tblGrid>
-                <a:gridCol w="5904563">
+                <a:gridCol w="6238783">
                   <a:extLst>
                     <a:ext uri="{9D8B030D-6E8A-4147-A177-3AD203B41FA5}">
                       <a16:colId xmlns:a16="http://schemas.microsoft.com/office/drawing/2014/main" val="1535426872"/>
                     </a:ext>
                   </a:extLst>
                 </a:gridCol>
-                <a:gridCol w="2172637">
+                <a:gridCol w="2295617">
                   <a:extLst>
                     <a:ext uri="{9D8B030D-6E8A-4147-A177-3AD203B41FA5}">
                       <a16:colId xmlns:a16="http://schemas.microsoft.com/office/drawing/2014/main" val="2907942348"/>
@@ -12880,7 +12880,7 @@
                   </a:extLst>
                 </a:gridCol>
               </a:tblGrid>
-              <a:tr h="277586">
+              <a:tr h="508782">
                 <a:tc>
                   <a:txBody>
                     <a:bodyPr/>
@@ -12895,7 +12895,7 @@
                         </a:spcAft>
                       </a:pPr>
                       <a:r>
-                        <a:rPr lang="en-US" sz="1400" dirty="0">
+                        <a:rPr lang="en-US" sz="1600" dirty="0">
                           <a:effectLst/>
                         </a:rPr>
                         <a:t>Student response</a:t>
@@ -12910,7 +12910,7 @@
                           <a:spcPts val="0"/>
                         </a:spcAft>
                       </a:pPr>
-                      <a:endParaRPr lang="en-US" sz="1400" dirty="0">
+                      <a:endParaRPr lang="en-US" sz="1600" dirty="0">
                         <a:solidFill>
                           <a:srgbClr val="000000"/>
                         </a:solidFill>
@@ -12936,12 +12936,12 @@
                         </a:spcAft>
                       </a:pPr>
                       <a:r>
-                        <a:rPr lang="en-US" sz="1400">
+                        <a:rPr lang="en-US" sz="1600">
                           <a:effectLst/>
                         </a:rPr>
                         <a:t>Theme(s)</a:t>
                       </a:r>
-                      <a:endParaRPr lang="en-US" sz="1400">
+                      <a:endParaRPr lang="en-US" sz="1600">
                         <a:solidFill>
                           <a:srgbClr val="000000"/>
                         </a:solidFill>
@@ -12959,7 +12959,7 @@
                   </a:ext>
                 </a:extLst>
               </a:tr>
-              <a:tr h="832757">
+              <a:tr h="992902">
                 <a:tc>
                   <a:txBody>
                     <a:bodyPr/>
@@ -12974,12 +12974,12 @@
                         </a:spcAft>
                       </a:pPr>
                       <a:r>
-                        <a:rPr lang="en-US" sz="1400" dirty="0">
+                        <a:rPr lang="en-US" sz="1600" dirty="0">
                           <a:effectLst/>
                         </a:rPr>
                         <a:t>It is so hard to imagine the struggles these people would face, given how challenging it was for our group of 6 college students to figure it out! </a:t>
                       </a:r>
-                      <a:endParaRPr lang="en-US" sz="1400" dirty="0">
+                      <a:endParaRPr lang="en-US" sz="1600" dirty="0">
                         <a:solidFill>
                           <a:srgbClr val="000000"/>
                         </a:solidFill>
@@ -13005,12 +13005,12 @@
                         </a:spcAft>
                       </a:pPr>
                       <a:r>
-                        <a:rPr lang="en-US" sz="1400">
+                        <a:rPr lang="en-US" sz="1600">
                           <a:effectLst/>
                         </a:rPr>
                         <a:t>Empathy/Challenges</a:t>
                       </a:r>
-                      <a:endParaRPr lang="en-US" sz="1400">
+                      <a:endParaRPr lang="en-US" sz="1600">
                         <a:solidFill>
                           <a:srgbClr val="000000"/>
                         </a:solidFill>
@@ -13028,7 +13028,7 @@
                   </a:ext>
                 </a:extLst>
               </a:tr>
-              <a:tr h="1110343">
+              <a:tr h="1323870">
                 <a:tc>
                   <a:txBody>
                     <a:bodyPr/>
@@ -13043,12 +13043,12 @@
                         </a:spcAft>
                       </a:pPr>
                       <a:r>
-                        <a:rPr lang="en-US" sz="1400">
+                        <a:rPr lang="en-US" sz="1600" dirty="0">
                           <a:effectLst/>
                         </a:rPr>
                         <a:t>It made me realize how hard it is for people on SNAP benefits to eat healthy and to provide enough food for their family. And it really made me appreciate the money I have for food. </a:t>
                       </a:r>
-                      <a:endParaRPr lang="en-US" sz="1400">
+                      <a:endParaRPr lang="en-US" sz="1600" dirty="0">
                         <a:solidFill>
                           <a:srgbClr val="000000"/>
                         </a:solidFill>
@@ -13074,12 +13074,12 @@
                         </a:spcAft>
                       </a:pPr>
                       <a:r>
-                        <a:rPr lang="en-US" sz="1400">
+                        <a:rPr lang="en-US" sz="1600">
                           <a:effectLst/>
                         </a:rPr>
                         <a:t>Empathy/Challenges, Nutritional Limitations</a:t>
                       </a:r>
-                      <a:endParaRPr lang="en-US" sz="1400">
+                      <a:endParaRPr lang="en-US" sz="1600">
                         <a:solidFill>
                           <a:srgbClr val="000000"/>
                         </a:solidFill>
@@ -13097,7 +13097,7 @@
                   </a:ext>
                 </a:extLst>
               </a:tr>
-              <a:tr h="832757">
+              <a:tr h="992902">
                 <a:tc>
                   <a:txBody>
                     <a:bodyPr/>
@@ -13112,12 +13112,12 @@
                         </a:spcAft>
                       </a:pPr>
                       <a:r>
-                        <a:rPr lang="en-US" sz="1400">
+                        <a:rPr lang="en-US" sz="1600">
                           <a:effectLst/>
                         </a:rPr>
                         <a:t>It's often hard to make ends meet and I have a newfound level of respect for people who have no other choice but to use SNAP benefits. </a:t>
                       </a:r>
-                      <a:endParaRPr lang="en-US" sz="1400">
+                      <a:endParaRPr lang="en-US" sz="1600">
                         <a:solidFill>
                           <a:srgbClr val="000000"/>
                         </a:solidFill>
@@ -13143,12 +13143,12 @@
                         </a:spcAft>
                       </a:pPr>
                       <a:r>
-                        <a:rPr lang="en-US" sz="1400">
+                        <a:rPr lang="en-US" sz="1600">
                           <a:effectLst/>
                         </a:rPr>
                         <a:t>Empathy/Challenges</a:t>
                       </a:r>
-                      <a:endParaRPr lang="en-US" sz="1400">
+                      <a:endParaRPr lang="en-US" sz="1600">
                         <a:solidFill>
                           <a:srgbClr val="000000"/>
                         </a:solidFill>
@@ -13166,7 +13166,7 @@
                   </a:ext>
                 </a:extLst>
               </a:tr>
-              <a:tr h="832757">
+              <a:tr h="905943">
                 <a:tc>
                   <a:txBody>
                     <a:bodyPr/>
@@ -13181,12 +13181,12 @@
                         </a:spcAft>
                       </a:pPr>
                       <a:r>
-                        <a:rPr lang="en-US" sz="1400" dirty="0">
+                        <a:rPr lang="en-US" sz="1600" dirty="0">
                           <a:effectLst/>
                         </a:rPr>
                         <a:t>There was not enough money to feed us. Especially myself because I play &lt;&lt;a sport&gt;&gt; and need much more food than we had. </a:t>
                       </a:r>
-                      <a:endParaRPr lang="en-US" sz="1400" dirty="0">
+                      <a:endParaRPr lang="en-US" sz="1600" dirty="0">
                         <a:solidFill>
                           <a:srgbClr val="000000"/>
                         </a:solidFill>
@@ -13212,12 +13212,12 @@
                         </a:spcAft>
                       </a:pPr>
                       <a:r>
-                        <a:rPr lang="en-US" sz="1400" dirty="0">
+                        <a:rPr lang="en-US" sz="1600" dirty="0">
                           <a:effectLst/>
                         </a:rPr>
                         <a:t>Limitations of SNAP</a:t>
                       </a:r>
-                      <a:endParaRPr lang="en-US" sz="1400" dirty="0">
+                      <a:endParaRPr lang="en-US" sz="1600" dirty="0">
                         <a:solidFill>
                           <a:srgbClr val="000000"/>
                         </a:solidFill>
@@ -13307,7 +13307,12 @@
             <p:ph sz="quarter" idx="1"/>
           </p:nvPr>
         </p:nvSpPr>
-        <p:spPr/>
+        <p:spPr>
+          <a:xfrm>
+            <a:off x="528828" y="1524000"/>
+            <a:ext cx="8080248" cy="4492752"/>
+          </a:xfrm>
+        </p:spPr>
         <p:txBody>
           <a:bodyPr>
             <a:normAutofit/>
@@ -13315,75 +13320,142 @@
           <a:lstStyle/>
           <a:p>
             <a:r>
-              <a:rPr lang="en-US" dirty="0"/>
+              <a:rPr lang="en-US" sz="2200" dirty="0"/>
               <a:t>Insignificant overall M-GUDS results. </a:t>
             </a:r>
           </a:p>
           <a:p>
-            <a:endParaRPr lang="en-US" dirty="0"/>
-          </a:p>
-          <a:p>
-            <a:r>
-              <a:rPr lang="en-US" dirty="0"/>
-              <a:t>SNAP project provides an opportunity for students to work on a project which helps them gain both statistical skills while simultaneously thinking critically about issues of diversity and social justice, then it is worth trying.</a:t>
+            <a:endParaRPr lang="en-US" sz="2200" dirty="0"/>
+          </a:p>
+          <a:p>
+            <a:r>
+              <a:rPr lang="en-US" sz="2200" dirty="0"/>
+              <a:t>SNAP project provides an opportunity for students to work     on a project which helps them gain statistical skills while simultaneously thinking critically about issues of diversity and social justice.  Therefore, regardless of M-GUDS results, it’s worth trying.</a:t>
             </a:r>
           </a:p>
           <a:p>
             <a:pPr marL="0" indent="0">
               <a:buNone/>
             </a:pPr>
+            <a:endParaRPr lang="en-US" sz="2200" dirty="0"/>
+          </a:p>
+          <a:p>
+            <a:r>
+              <a:rPr lang="en-US" sz="2200" dirty="0"/>
+              <a:t>Including additional written reflections throughout the project could be beneficial.</a:t>
+            </a:r>
+          </a:p>
+          <a:p>
             <a:endParaRPr lang="en-US" dirty="0"/>
           </a:p>
           <a:p>
-            <a:r>
-              <a:rPr lang="en-US" dirty="0"/>
-              <a:t>Including additional written reflections throughout the project could be beneficial.</a:t>
-            </a:r>
-          </a:p>
-          <a:p>
-            <a:pPr marL="0" indent="0">
-              <a:buNone/>
-            </a:pPr>
             <a:endParaRPr lang="en-US" dirty="0"/>
           </a:p>
         </p:txBody>
       </p:sp>
-      <p:sp>
-        <p:nvSpPr>
-          <p:cNvPr id="4" name="TextBox 3">
+      <p:graphicFrame>
+        <p:nvGraphicFramePr>
+          <p:cNvPr id="5" name="Table 4">
             <a:extLst>
               <a:ext uri="{FF2B5EF4-FFF2-40B4-BE49-F238E27FC236}">
-                <a16:creationId xmlns:a16="http://schemas.microsoft.com/office/drawing/2014/main" id="{BA1DE6DF-E37B-4621-A4D3-E7E21D3333C3}"/>
+                <a16:creationId xmlns:a16="http://schemas.microsoft.com/office/drawing/2014/main" id="{FFF485B2-ED29-4C67-9D90-F59B30AC43AE}"/>
               </a:ext>
             </a:extLst>
           </p:cNvPr>
-          <p:cNvSpPr txBox="1"/>
-          <p:nvPr/>
-        </p:nvSpPr>
-        <p:spPr>
-          <a:xfrm>
-            <a:off x="301752" y="6400800"/>
-            <a:ext cx="8503920" cy="307777"/>
-          </a:xfrm>
-          <a:prstGeom prst="rect">
-            <a:avLst/>
-          </a:prstGeom>
-          <a:noFill/>
-        </p:spPr>
-        <p:txBody>
-          <a:bodyPr wrap="square" rtlCol="0">
-            <a:spAutoFit/>
-          </a:bodyPr>
-          <a:lstStyle/>
-          <a:p>
-            <a:pPr algn="ctr"/>
-            <a:r>
-              <a:rPr lang="en-US" sz="1400" i="1" dirty="0"/>
-              <a:t>“It is better to know some of the questions than all of the answers.” – James Thurber</a:t>
-            </a:r>
-          </a:p>
-        </p:txBody>
-      </p:sp>
+          <p:cNvGraphicFramePr>
+            <a:graphicFrameLocks noGrp="1"/>
+          </p:cNvGraphicFramePr>
+          <p:nvPr>
+            <p:extLst>
+              <p:ext uri="{D42A27DB-BD31-4B8C-83A1-F6EECF244321}">
+                <p14:modId xmlns:p14="http://schemas.microsoft.com/office/powerpoint/2010/main" val="1139339907"/>
+              </p:ext>
+            </p:extLst>
+          </p:nvPr>
+        </p:nvGraphicFramePr>
+        <p:xfrm>
+          <a:off x="1524000" y="5486400"/>
+          <a:ext cx="5641848" cy="808342"/>
+        </p:xfrm>
+        <a:graphic>
+          <a:graphicData uri="http://schemas.openxmlformats.org/drawingml/2006/table">
+            <a:tbl>
+              <a:tblPr firstRow="1" bandRow="1">
+                <a:tableStyleId>{5940675A-B579-460E-94D1-54222C63F5DA}</a:tableStyleId>
+              </a:tblPr>
+              <a:tblGrid>
+                <a:gridCol w="5641848">
+                  <a:extLst>
+                    <a:ext uri="{9D8B030D-6E8A-4147-A177-3AD203B41FA5}">
+                      <a16:colId xmlns:a16="http://schemas.microsoft.com/office/drawing/2014/main" val="2952752649"/>
+                    </a:ext>
+                  </a:extLst>
+                </a:gridCol>
+              </a:tblGrid>
+              <a:tr h="808342">
+                <a:tc>
+                  <a:txBody>
+                    <a:bodyPr/>
+                    <a:lstStyle/>
+                    <a:p>
+                      <a:pPr marL="0" marR="0" lvl="0" indent="0" algn="ctr" defTabSz="914400" rtl="0" eaLnBrk="1" fontAlgn="auto" latinLnBrk="0" hangingPunct="1">
+                        <a:lnSpc>
+                          <a:spcPct val="100000"/>
+                        </a:lnSpc>
+                        <a:spcBef>
+                          <a:spcPts val="0"/>
+                        </a:spcBef>
+                        <a:spcAft>
+                          <a:spcPts val="0"/>
+                        </a:spcAft>
+                        <a:buClrTx/>
+                        <a:buSzTx/>
+                        <a:buFontTx/>
+                        <a:buNone/>
+                        <a:tabLst/>
+                        <a:defRPr/>
+                      </a:pPr>
+                      <a:r>
+                        <a:rPr lang="en-US" sz="2200" i="1" dirty="0"/>
+                        <a:t>“It is better to know some of the questions </a:t>
+                      </a:r>
+                    </a:p>
+                    <a:p>
+                      <a:pPr marL="0" marR="0" lvl="0" indent="0" algn="ctr" defTabSz="914400" rtl="0" eaLnBrk="1" fontAlgn="auto" latinLnBrk="0" hangingPunct="1">
+                        <a:lnSpc>
+                          <a:spcPct val="100000"/>
+                        </a:lnSpc>
+                        <a:spcBef>
+                          <a:spcPts val="0"/>
+                        </a:spcBef>
+                        <a:spcAft>
+                          <a:spcPts val="0"/>
+                        </a:spcAft>
+                        <a:buClrTx/>
+                        <a:buSzTx/>
+                        <a:buFontTx/>
+                        <a:buNone/>
+                        <a:tabLst/>
+                        <a:defRPr/>
+                      </a:pPr>
+                      <a:r>
+                        <a:rPr lang="en-US" sz="2200" i="1" dirty="0"/>
+                        <a:t>than all of the answers.” – James Thurber</a:t>
+                      </a:r>
+                    </a:p>
+                  </a:txBody>
+                  <a:tcPr/>
+                </a:tc>
+                <a:extLst>
+                  <a:ext uri="{0D108BD9-81ED-4DB2-BD59-A6C34878D82A}">
+                    <a16:rowId xmlns:a16="http://schemas.microsoft.com/office/drawing/2014/main" val="549191316"/>
+                  </a:ext>
+                </a:extLst>
+              </a:tr>
+            </a:tbl>
+          </a:graphicData>
+        </a:graphic>
+      </p:graphicFrame>
     </p:spTree>
     <p:extLst>
       <p:ext uri="{BB962C8B-B14F-4D97-AF65-F5344CB8AC3E}">
@@ -15176,7 +15248,7 @@
         </p:nvGraphicFramePr>
         <p:xfrm>
           <a:off x="533400" y="1752600"/>
-          <a:ext cx="8001001" cy="4272359"/>
+          <a:ext cx="8001001" cy="4285377"/>
         </p:xfrm>
         <a:graphic>
           <a:graphicData uri="http://schemas.openxmlformats.org/drawingml/2006/table">

--- a/2018 ICOTS - Doehler and Taylor.pptx
+++ b/2018 ICOTS - Doehler and Taylor.pptx
@@ -13330,8 +13330,13 @@
           <a:p>
             <a:r>
               <a:rPr lang="en-US" sz="2200" dirty="0"/>
-              <a:t>SNAP project provides an opportunity for students to work     on a project which helps them gain statistical skills while simultaneously thinking critically about issues of diversity and social justice.  Therefore, regardless of M-GUDS results, it’s worth trying.</a:t>
-            </a:r>
+              <a:t>SNAP project provides an opportunity for students to work     on a project which helps them gain statistical skills while simultaneously thinking critically about issues of diversity and social justice.  Therefore, regardless of M-GUDS results, it’s worth trying this project with SNAP data (or </a:t>
+            </a:r>
+            <a:r>
+              <a:rPr lang="en-US" sz="2200"/>
+              <a:t>other data!)</a:t>
+            </a:r>
+            <a:endParaRPr lang="en-US" sz="2200" dirty="0"/>
           </a:p>
           <a:p>
             <a:pPr marL="0" indent="0">
